--- a/outputs/slides/monil_Data-mining.pptx
+++ b/outputs/slides/monil_Data-mining.pptx
@@ -13,7 +13,6 @@
     <p:sldId id="261" r:id="rId12"/>
     <p:sldId id="262" r:id="rId13"/>
     <p:sldId id="263" r:id="rId14"/>
-    <p:sldId id="264" r:id="rId15"/>
   </p:sldIdLst>
   <p:sldSz cx="9144000" cy="6858000" type="screen4x3"/>
   <p:notesSz cx="6858000" cy="9144000"/>
@@ -3147,7 +3146,7 @@
               <a:defRPr sz="2400" i="1"/>
             </a:pPr>
             <a:r>
-              <a:t>What is Data Mining, Data Mining Process, Common Data Mining Techniques, Real-World Applications, Challenges in Data Mining</a:t>
+              <a:t>Data Mining Definition, Data Mining Process, Data Mining Techniques, Real-World Applications, Challenges in Data Mining</a:t>
             </a:r>
           </a:p>
         </p:txBody>
@@ -3193,7 +3192,7 @@
               </a:defRPr>
             </a:pPr>
             <a:r>
-              <a:t>Understanding Data Mining</a:t>
+              <a:t>What is Data Mining?</a:t>
             </a:r>
           </a:p>
         </p:txBody>
@@ -3221,7 +3220,7 @@
               </a:defRPr>
             </a:pPr>
             <a:r>
-              <a:t>Data mining extracts useful information, patterns, and trends from large datasets.</a:t>
+              <a:t>Extracting useful information, patterns, and trends from large datasets.</a:t>
             </a:r>
           </a:p>
           <a:p>
@@ -3233,7 +3232,7 @@
               </a:defRPr>
             </a:pPr>
             <a:r>
-              <a:t>Datasets can come from various sources, including structured and unstructured data.</a:t>
+              <a:t>Datasets come from various sources: structured databases, unstructured text, images, real-time streams.</a:t>
             </a:r>
           </a:p>
           <a:p>
@@ -3245,7 +3244,7 @@
               </a:defRPr>
             </a:pPr>
             <a:r>
-              <a:t>The primary goal is to discover hidden patterns for informed decisions and predictions.</a:t>
+              <a:t>Primary goal: discover non-obvious patterns for informed decisions or future predictions.</a:t>
             </a:r>
           </a:p>
           <a:p>
@@ -3257,7 +3256,7 @@
               </a:defRPr>
             </a:pPr>
             <a:r>
-              <a:t>It uncovers relationships impossible or time-consuming to identify manually.</a:t>
+              <a:t>Uncovers hidden relationships that are impossible or time-consuming to identify manually.</a:t>
             </a:r>
           </a:p>
         </p:txBody>
@@ -3303,7 +3302,7 @@
               </a:defRPr>
             </a:pPr>
             <a:r>
-              <a:t>The Data Mining Process: Collection &amp; Preprocessing</a:t>
+              <a:t>The Data Mining Process: Initial Steps</a:t>
             </a:r>
           </a:p>
         </p:txBody>
@@ -3331,7 +3330,7 @@
               </a:defRPr>
             </a:pPr>
             <a:r>
-              <a:t>Data mining is a multi-step process to clean, analyze, and interpret data.</a:t>
+              <a:t>Multi-step process: data collection, preprocessing, exploratory analysis, modeling, evaluation, deployment.</a:t>
             </a:r>
           </a:p>
           <a:p>
@@ -3343,7 +3342,7 @@
               </a:defRPr>
             </a:pPr>
             <a:r>
-              <a:t>Data collection involves gathering data from diverse sources like transaction logs, sensors, and social media.</a:t>
+              <a:t>Step 1: Data Collection from diverse sources like transaction logs, sensors, social media.</a:t>
             </a:r>
           </a:p>
           <a:p>
@@ -3355,7 +3354,7 @@
               </a:defRPr>
             </a:pPr>
             <a:r>
-              <a:t>Handling the vast amount of data generated today is a significant challenge.</a:t>
+              <a:t>Step 2: Data Preprocessing to clean raw, messy data (incomplete, inconsistent, errors).</a:t>
             </a:r>
           </a:p>
           <a:p>
@@ -3367,7 +3366,7 @@
               </a:defRPr>
             </a:pPr>
             <a:r>
-              <a:t>Data preprocessing cleans raw, messy data by filling missing values, removing duplicates, and standardizing units.</a:t>
+              <a:t>Tasks include filling missing values, removing duplicates, standardizing units, and data normalization.</a:t>
             </a:r>
           </a:p>
           <a:p>
@@ -3379,7 +3378,19 @@
               </a:defRPr>
             </a:pPr>
             <a:r>
-              <a:t>Data normalization transforms variables into a consistent format for effective analysis.</a:t>
+              <a:t>Step 3: Exploratory Data Analysis (EDA) for visual and statistical understanding of data structure.</a:t>
+            </a:r>
+          </a:p>
+          <a:p>
+            <a:pPr>
+              <a:defRPr sz="2200">
+                <a:solidFill>
+                  <a:srgbClr val="003366"/>
+                </a:solidFill>
+              </a:defRPr>
+            </a:pPr>
+            <a:r>
+              <a:t>Uses tools like histograms, scatter plots, and heatmaps to visualize distributions and relationships.</a:t>
             </a:r>
           </a:p>
         </p:txBody>
@@ -3425,7 +3436,7 @@
               </a:defRPr>
             </a:pPr>
             <a:r>
-              <a:t>The Data Mining Process: EDA &amp; Modeling</a:t>
+              <a:t>Core Data Mining Techniques (Modeling and Mining)</a:t>
             </a:r>
           </a:p>
         </p:txBody>
@@ -3453,7 +3464,7 @@
               </a:defRPr>
             </a:pPr>
             <a:r>
-              <a:t>Exploratory Data Analysis (EDA) visually and statistically analyzes data structure.</a:t>
+              <a:t>Step 4: Modeling and Mining involves applying algorithms to uncover patterns and relationships.</a:t>
             </a:r>
           </a:p>
           <a:p>
@@ -3465,7 +3476,7 @@
               </a:defRPr>
             </a:pPr>
             <a:r>
-              <a:t>Tools like histograms, scatter plots, and heatmaps visualize data distributions and relationships.</a:t>
+              <a:t>Classification: assigns data to predefined categories (e.g., spam filter).</a:t>
             </a:r>
           </a:p>
           <a:p>
@@ -3477,7 +3488,7 @@
               </a:defRPr>
             </a:pPr>
             <a:r>
-              <a:t>EDA helps form hypotheses and choose appropriate data mining algorithms.</a:t>
+              <a:t>Clustering: groups similar data points together without prior knowledge (e.g., customer segmentation).</a:t>
             </a:r>
           </a:p>
           <a:p>
@@ -3489,7 +3500,7 @@
               </a:defRPr>
             </a:pPr>
             <a:r>
-              <a:t>Modeling and mining apply algorithms to uncover patterns and relationships in the data.</a:t>
+              <a:t>Association Rule Mining: identifies relationships between variables (e.g., market basket analysis).</a:t>
             </a:r>
           </a:p>
           <a:p>
@@ -3501,7 +3512,7 @@
               </a:defRPr>
             </a:pPr>
             <a:r>
-              <a:t>The choice of algorithm depends on the type of analysis to be performed.</a:t>
+              <a:t>Regression: predicts continuous values based on input variables (e.g., house price prediction).</a:t>
             </a:r>
           </a:p>
         </p:txBody>
@@ -3547,7 +3558,7 @@
               </a:defRPr>
             </a:pPr>
             <a:r>
-              <a:t>Common Data Mining Techniques</a:t>
+              <a:t>Evaluation, Interpretation, and Deployment</a:t>
             </a:r>
           </a:p>
         </p:txBody>
@@ -3575,7 +3586,7 @@
               </a:defRPr>
             </a:pPr>
             <a:r>
-              <a:t>Classification assigns data to predefined categories, like a spam filter.</a:t>
+              <a:t>Step 5: Evaluation and Interpretation assesses the quality and usefulness of results.</a:t>
             </a:r>
           </a:p>
           <a:p>
@@ -3587,7 +3598,7 @@
               </a:defRPr>
             </a:pPr>
             <a:r>
-              <a:t>Clustering groups similar data points together without prior knowledge, useful for customer segmentation.</a:t>
+              <a:t>Uses metrics like accuracy, precision, recall (classification) or R-squared (regression).</a:t>
             </a:r>
           </a:p>
           <a:p>
@@ -3599,7 +3610,7 @@
               </a:defRPr>
             </a:pPr>
             <a:r>
-              <a:t>Association rule mining identifies relationships between variables, such as in market basket analysis.</a:t>
+              <a:t>Refinement: revisit earlier stages if model performance is unsatisfactory.</a:t>
             </a:r>
           </a:p>
           <a:p>
@@ -3611,7 +3622,19 @@
               </a:defRPr>
             </a:pPr>
             <a:r>
-              <a:t>Regression predicts continuous values based on input variables, used for house price prediction.</a:t>
+              <a:t>Step 6: Deployment puts findings into real-world applications.</a:t>
+            </a:r>
+          </a:p>
+          <a:p>
+            <a:pPr>
+              <a:defRPr sz="2200">
+                <a:solidFill>
+                  <a:srgbClr val="003366"/>
+                </a:solidFill>
+              </a:defRPr>
+            </a:pPr>
+            <a:r>
+              <a:t>Examples: personalized advertisements, prioritizing healthcare for high-risk individuals.</a:t>
             </a:r>
           </a:p>
         </p:txBody>
@@ -3657,7 +3680,7 @@
               </a:defRPr>
             </a:pPr>
             <a:r>
-              <a:t>Evaluation, Interpretation, and Deployment</a:t>
+              <a:t>Real-World Applications of Data Mining</a:t>
             </a:r>
           </a:p>
         </p:txBody>
@@ -3685,7 +3708,7 @@
               </a:defRPr>
             </a:pPr>
             <a:r>
-              <a:t>Evaluation and interpretation assess the quality and usefulness of the identified patterns.</a:t>
+              <a:t>Healthcare: identifying disease outbreaks, predicting patient readmissions to improve care.</a:t>
             </a:r>
           </a:p>
           <a:p>
@@ -3697,7 +3720,7 @@
               </a:defRPr>
             </a:pPr>
             <a:r>
-              <a:t>Metrics like accuracy, precision, recall, and R-squared are used to evaluate model effectiveness.</a:t>
+              <a:t>Finance: fraud detection by analyzing historical transaction patterns.</a:t>
             </a:r>
           </a:p>
           <a:p>
@@ -3709,31 +3732,7 @@
               </a:defRPr>
             </a:pPr>
             <a:r>
-              <a:t>Unsatisfactory model performance may require revisiting earlier stages for refinement.</a:t>
-            </a:r>
-          </a:p>
-          <a:p>
-            <a:pPr>
-              <a:defRPr sz="2200">
-                <a:solidFill>
-                  <a:srgbClr val="003366"/>
-                </a:solidFill>
-              </a:defRPr>
-            </a:pPr>
-            <a:r>
-              <a:t>Deployment involves putting the insights into real-world applications to improve processes or automate decisions.</a:t>
-            </a:r>
-          </a:p>
-          <a:p>
-            <a:pPr>
-              <a:defRPr sz="2200">
-                <a:solidFill>
-                  <a:srgbClr val="003366"/>
-                </a:solidFill>
-              </a:defRPr>
-            </a:pPr>
-            <a:r>
-              <a:t>Examples include personalized advertisements or prioritizing healthcare for high-risk individuals.</a:t>
+              <a:t>Retail: inventory optimization and demand forecasting for efficient stocking.</a:t>
             </a:r>
           </a:p>
         </p:txBody>
@@ -3779,7 +3778,7 @@
               </a:defRPr>
             </a:pPr>
             <a:r>
-              <a:t>Real-World Applications of Data Mining</a:t>
+              <a:t>Challenges in Data Mining</a:t>
             </a:r>
           </a:p>
         </p:txBody>
@@ -3807,7 +3806,7 @@
               </a:defRPr>
             </a:pPr>
             <a:r>
-              <a:t>In healthcare, it identifies disease outbreaks and predicts patient readmissions.</a:t>
+              <a:t>Data Quality: noisy, incomplete, or biased data can lead to inaccurate insights.</a:t>
             </a:r>
           </a:p>
           <a:p>
@@ -3819,7 +3818,7 @@
               </a:defRPr>
             </a:pPr>
             <a:r>
-              <a:t>Finance uses data mining for fraud detection by analyzing historical transactions.</a:t>
+              <a:t>Privacy and Ethical Concerns: handling vast amounts of personal and sensitive data.</a:t>
             </a:r>
           </a:p>
           <a:p>
@@ -3831,7 +3830,7 @@
               </a:defRPr>
             </a:pPr>
             <a:r>
-              <a:t>Retailers apply it for inventory optimization and demand forecasting.</a:t>
+              <a:t>Compliance with regulations like GDPR and CCPA is crucial.</a:t>
             </a:r>
           </a:p>
           <a:p>
@@ -3843,7 +3842,7 @@
               </a:defRPr>
             </a:pPr>
             <a:r>
-              <a:t>Marketing leverages it for customer segmentation and tailored advertisements.</a:t>
+              <a:t>Mitigation: data anonymization, encryption, and careful data handling.</a:t>
             </a:r>
           </a:p>
         </p:txBody>
@@ -3889,7 +3888,7 @@
               </a:defRPr>
             </a:pPr>
             <a:r>
-              <a:t>Challenges in Data Mining</a:t>
+              <a:t>Conclusion and Next Steps</a:t>
             </a:r>
           </a:p>
         </p:txBody>
@@ -3917,7 +3916,7 @@
               </a:defRPr>
             </a:pPr>
             <a:r>
-              <a:t>Ensuring data quality is crucial, as noisy or biased data can lead to inaccurate insights.</a:t>
+              <a:t>Data mining is a powerful tool for unlocking valuable insights from large datasets.</a:t>
             </a:r>
           </a:p>
           <a:p>
@@ -3929,7 +3928,7 @@
               </a:defRPr>
             </a:pPr>
             <a:r>
-              <a:t>Dealing with privacy and ethical concerns is paramount due to vast amounts of sensitive data.</a:t>
+              <a:t>Involves collecting, cleaning, analyzing, and modeling data to uncover patterns.</a:t>
             </a:r>
           </a:p>
           <a:p>
@@ -3941,7 +3940,7 @@
               </a:defRPr>
             </a:pPr>
             <a:r>
-              <a:t>Compliance with regulations like GDPR and CCPA is essential.</a:t>
+              <a:t>Techniques like classification, clustering, association rule mining, and regression are foundational.</a:t>
             </a:r>
           </a:p>
           <a:p>
@@ -3953,71 +3952,9 @@
               </a:defRPr>
             </a:pPr>
             <a:r>
-              <a:t>Data anonymization, encryption, and careful handling mitigate privacy risks.</a:t>
-            </a:r>
-          </a:p>
-        </p:txBody>
-      </p:sp>
-    </p:spTree>
-  </p:cSld>
-  <p:clrMapOvr>
-    <a:masterClrMapping/>
-  </p:clrMapOvr>
-</p:sld>
-</file>
-
-<file path=ppt/slides/slide9.xml><?xml version="1.0" encoding="utf-8"?>
-<p:sld xmlns:a="http://schemas.openxmlformats.org/drawingml/2006/main" xmlns:p="http://schemas.openxmlformats.org/presentationml/2006/main" xmlns:r="http://schemas.openxmlformats.org/officeDocument/2006/relationships">
-  <p:cSld>
-    <p:spTree>
-      <p:nvGrpSpPr>
-        <p:cNvPr id="1" name=""/>
-        <p:cNvGrpSpPr/>
-        <p:nvPr/>
-      </p:nvGrpSpPr>
-      <p:grpSpPr/>
-      <p:sp>
-        <p:nvSpPr>
-          <p:cNvPr id="2" name="Title 1"/>
-          <p:cNvSpPr>
-            <a:spLocks noGrp="1"/>
-          </p:cNvSpPr>
-          <p:nvPr>
-            <p:ph type="title"/>
-          </p:nvPr>
-        </p:nvSpPr>
-        <p:spPr/>
-        <p:txBody>
-          <a:bodyPr/>
-          <a:lstStyle/>
-          <a:p>
-            <a:pPr algn="l">
-              <a:defRPr sz="3200" b="1">
-                <a:solidFill>
-                  <a:srgbClr val="000000"/>
-                </a:solidFill>
-              </a:defRPr>
-            </a:pPr>
-            <a:r>
-              <a:t>Conclusion and Future Outlook</a:t>
-            </a:r>
-          </a:p>
-        </p:txBody>
-      </p:sp>
-      <p:sp>
-        <p:nvSpPr>
-          <p:cNvPr id="3" name="Content Placeholder 2"/>
-          <p:cNvSpPr>
-            <a:spLocks noGrp="1"/>
-          </p:cNvSpPr>
-          <p:nvPr>
-            <p:ph idx="1"/>
-          </p:nvPr>
-        </p:nvSpPr>
-        <p:spPr/>
-        <p:txBody>
-          <a:bodyPr/>
-          <a:lstStyle/>
+              <a:t>Benefits include optimizing operations, improving customer satisfaction, and gaining a competitive edge.</a:t>
+            </a:r>
+          </a:p>
           <a:p>
             <a:pPr>
               <a:defRPr sz="2200">
@@ -4027,55 +3964,7 @@
               </a:defRPr>
             </a:pPr>
             <a:r>
-              <a:t>Data mining is a powerful tool for unlocking valuable insights from large datasets.</a:t>
-            </a:r>
-          </a:p>
-          <a:p>
-            <a:pPr>
-              <a:defRPr sz="2200">
-                <a:solidFill>
-                  <a:srgbClr val="003366"/>
-                </a:solidFill>
-              </a:defRPr>
-            </a:pPr>
-            <a:r>
-              <a:t>It involves collecting, cleaning, analyzing, and modeling data to uncover patterns.</a:t>
-            </a:r>
-          </a:p>
-          <a:p>
-            <a:pPr>
-              <a:defRPr sz="2200">
-                <a:solidFill>
-                  <a:srgbClr val="003366"/>
-                </a:solidFill>
-              </a:defRPr>
-            </a:pPr>
-            <a:r>
-              <a:t>Techniques like classification, clustering, association rule mining, and regression form its foundation.</a:t>
-            </a:r>
-          </a:p>
-          <a:p>
-            <a:pPr>
-              <a:defRPr sz="2200">
-                <a:solidFill>
-                  <a:srgbClr val="003366"/>
-                </a:solidFill>
-              </a:defRPr>
-            </a:pPr>
-            <a:r>
-              <a:t>It helps businesses optimize operations, improve customer satisfaction, and gain a competitive edge.</a:t>
-            </a:r>
-          </a:p>
-          <a:p>
-            <a:pPr>
-              <a:defRPr sz="2200">
-                <a:solidFill>
-                  <a:srgbClr val="003366"/>
-                </a:solidFill>
-              </a:defRPr>
-            </a:pPr>
-            <a:r>
-              <a:t>Future lectures will delve deeper into specific data mining algorithms and their applications.</a:t>
+              <a:t>Next class will delve deeper into specific data mining algorithms and their applications.</a:t>
             </a:r>
           </a:p>
         </p:txBody>
